--- a/PPT.pptx
+++ b/PPT.pptx
@@ -5,7 +5,7 @@
     <p:sldMasterId id="2147483648" r:id="rId1"/>
   </p:sldMasterIdLst>
   <p:notesMasterIdLst>
-    <p:notesMasterId r:id="rId18"/>
+    <p:notesMasterId r:id="rId19"/>
   </p:notesMasterIdLst>
   <p:sldIdLst>
     <p:sldId id="256" r:id="rId2"/>
@@ -24,6 +24,7 @@
     <p:sldId id="269" r:id="rId15"/>
     <p:sldId id="270" r:id="rId16"/>
     <p:sldId id="271" r:id="rId17"/>
+    <p:sldId id="273" r:id="rId18"/>
   </p:sldIdLst>
   <p:sldSz cx="12192000" cy="6858000"/>
   <p:notesSz cx="6858000" cy="9144000"/>
@@ -133,7 +134,7 @@
 <file path=ppt/revisionInfo.xml><?xml version="1.0" encoding="utf-8"?>
 <p1510:revInfo xmlns:a="http://schemas.openxmlformats.org/drawingml/2006/main" xmlns:r="http://schemas.openxmlformats.org/officeDocument/2006/relationships" xmlns:p1510="http://schemas.microsoft.com/office/powerpoint/2015/10/main">
   <p1510:revLst>
-    <p1510:client id="{8751BC79-FEA3-453A-A82D-6E6B0DEBFD28}" v="45" dt="2025-05-06T06:15:00.819"/>
+    <p1510:client id="{8751BC79-FEA3-453A-A82D-6E6B0DEBFD28}" v="46" dt="2025-05-12T02:41:26.087"/>
   </p1510:revLst>
 </p1510:revInfo>
 </file>
@@ -142,8 +143,8 @@
 <pc:chgInfo xmlns:a="http://schemas.openxmlformats.org/drawingml/2006/main" xmlns:r="http://schemas.openxmlformats.org/officeDocument/2006/relationships" xmlns:ac="http://schemas.microsoft.com/office/drawing/2013/main/command" xmlns:pc="http://schemas.microsoft.com/office/powerpoint/2013/main/command">
   <pc:docChgLst>
     <pc:chgData name="Sai Subba Rao Mahendrakar" userId="c55a230024f4fcb9" providerId="LiveId" clId="{8751BC79-FEA3-453A-A82D-6E6B0DEBFD28}"/>
-    <pc:docChg chg="undo custSel addSld modSld">
-      <pc:chgData name="Sai Subba Rao Mahendrakar" userId="c55a230024f4fcb9" providerId="LiveId" clId="{8751BC79-FEA3-453A-A82D-6E6B0DEBFD28}" dt="2025-05-06T06:19:56.376" v="455" actId="255"/>
+    <pc:docChg chg="undo custSel addSld delSld modSld">
+      <pc:chgData name="Sai Subba Rao Mahendrakar" userId="c55a230024f4fcb9" providerId="LiveId" clId="{8751BC79-FEA3-453A-A82D-6E6B0DEBFD28}" dt="2025-05-12T02:42:57.992" v="482" actId="255"/>
       <pc:docMkLst>
         <pc:docMk/>
       </pc:docMkLst>
@@ -328,30 +329,6 @@
           <pc:docMk/>
           <pc:sldMk cId="4048017909" sldId="268"/>
         </pc:sldMkLst>
-        <pc:spChg chg="del">
-          <ac:chgData name="Sai Subba Rao Mahendrakar" userId="c55a230024f4fcb9" providerId="LiveId" clId="{8751BC79-FEA3-453A-A82D-6E6B0DEBFD28}" dt="2025-05-06T06:00:40.665" v="212" actId="478"/>
-          <ac:spMkLst>
-            <pc:docMk/>
-            <pc:sldMk cId="4048017909" sldId="268"/>
-            <ac:spMk id="3" creationId="{E9E201EE-E32E-7FBA-A47A-B87FAE38BC87}"/>
-          </ac:spMkLst>
-        </pc:spChg>
-        <pc:spChg chg="add">
-          <ac:chgData name="Sai Subba Rao Mahendrakar" userId="c55a230024f4fcb9" providerId="LiveId" clId="{8751BC79-FEA3-453A-A82D-6E6B0DEBFD28}" dt="2025-05-06T06:00:33.531" v="211"/>
-          <ac:spMkLst>
-            <pc:docMk/>
-            <pc:sldMk cId="4048017909" sldId="268"/>
-            <ac:spMk id="4" creationId="{9994C1DA-8CF5-3347-F24D-822EE16A8621}"/>
-          </ac:spMkLst>
-        </pc:spChg>
-        <pc:spChg chg="add del mod">
-          <ac:chgData name="Sai Subba Rao Mahendrakar" userId="c55a230024f4fcb9" providerId="LiveId" clId="{8751BC79-FEA3-453A-A82D-6E6B0DEBFD28}" dt="2025-05-06T06:00:43.412" v="213"/>
-          <ac:spMkLst>
-            <pc:docMk/>
-            <pc:sldMk cId="4048017909" sldId="268"/>
-            <ac:spMk id="6" creationId="{2A4CB7FC-9494-153D-B97A-2815CA782D67}"/>
-          </ac:spMkLst>
-        </pc:spChg>
         <pc:spChg chg="add mod">
           <ac:chgData name="Sai Subba Rao Mahendrakar" userId="c55a230024f4fcb9" providerId="LiveId" clId="{8751BC79-FEA3-453A-A82D-6E6B0DEBFD28}" dt="2025-05-06T06:04:54.627" v="250" actId="14100"/>
           <ac:spMkLst>
@@ -368,14 +345,6 @@
             <ac:picMk id="9" creationId="{0D54E3B4-B6AC-F20D-A641-55B4493C0BBD}"/>
           </ac:picMkLst>
         </pc:picChg>
-        <pc:picChg chg="del">
-          <ac:chgData name="Sai Subba Rao Mahendrakar" userId="c55a230024f4fcb9" providerId="LiveId" clId="{8751BC79-FEA3-453A-A82D-6E6B0DEBFD28}" dt="2025-05-06T06:04:24.575" v="245" actId="478"/>
-          <ac:picMkLst>
-            <pc:docMk/>
-            <pc:sldMk cId="4048017909" sldId="268"/>
-            <ac:picMk id="10242" creationId="{A54C3303-05EC-E8EF-4DA4-E82DD3E9ED09}"/>
-          </ac:picMkLst>
-        </pc:picChg>
       </pc:sldChg>
       <pc:sldChg chg="addSp delSp modSp mod">
         <pc:chgData name="Sai Subba Rao Mahendrakar" userId="c55a230024f4fcb9" providerId="LiveId" clId="{8751BC79-FEA3-453A-A82D-6E6B0DEBFD28}" dt="2025-05-06T06:02:43.864" v="237" actId="1076"/>
@@ -383,22 +352,6 @@
           <pc:docMk/>
           <pc:sldMk cId="4036026572" sldId="269"/>
         </pc:sldMkLst>
-        <pc:spChg chg="del mod">
-          <ac:chgData name="Sai Subba Rao Mahendrakar" userId="c55a230024f4fcb9" providerId="LiveId" clId="{8751BC79-FEA3-453A-A82D-6E6B0DEBFD28}" dt="2025-05-06T06:01:46.566" v="221" actId="478"/>
-          <ac:spMkLst>
-            <pc:docMk/>
-            <pc:sldMk cId="4036026572" sldId="269"/>
-            <ac:spMk id="3" creationId="{E191FD5E-1F87-9D7D-B3E5-DF05764D5E29}"/>
-          </ac:spMkLst>
-        </pc:spChg>
-        <pc:spChg chg="add del mod">
-          <ac:chgData name="Sai Subba Rao Mahendrakar" userId="c55a230024f4fcb9" providerId="LiveId" clId="{8751BC79-FEA3-453A-A82D-6E6B0DEBFD28}" dt="2025-05-06T06:01:48.609" v="222"/>
-          <ac:spMkLst>
-            <pc:docMk/>
-            <pc:sldMk cId="4036026572" sldId="269"/>
-            <ac:spMk id="7" creationId="{D2A5F825-C55B-3B03-0129-969380F4B2AB}"/>
-          </ac:spMkLst>
-        </pc:spChg>
         <pc:spChg chg="add mod">
           <ac:chgData name="Sai Subba Rao Mahendrakar" userId="c55a230024f4fcb9" providerId="LiveId" clId="{8751BC79-FEA3-453A-A82D-6E6B0DEBFD28}" dt="2025-05-06T06:02:43.864" v="237" actId="1076"/>
           <ac:spMkLst>
@@ -415,14 +368,6 @@
             <ac:graphicFrameMk id="4" creationId="{8D3B3085-0DB4-47A8-BAB4-ADAF7B2AAB9E}"/>
           </ac:graphicFrameMkLst>
         </pc:graphicFrameChg>
-        <pc:picChg chg="del">
-          <ac:chgData name="Sai Subba Rao Mahendrakar" userId="c55a230024f4fcb9" providerId="LiveId" clId="{8751BC79-FEA3-453A-A82D-6E6B0DEBFD28}" dt="2025-05-06T05:53:44.929" v="153" actId="478"/>
-          <ac:picMkLst>
-            <pc:docMk/>
-            <pc:sldMk cId="4036026572" sldId="269"/>
-            <ac:picMk id="5" creationId="{6B8E11C4-78D4-9A4C-6A99-F2AC23C38453}"/>
-          </ac:picMkLst>
-        </pc:picChg>
       </pc:sldChg>
       <pc:sldChg chg="addSp delSp modSp mod">
         <pc:chgData name="Sai Subba Rao Mahendrakar" userId="c55a230024f4fcb9" providerId="LiveId" clId="{8751BC79-FEA3-453A-A82D-6E6B0DEBFD28}" dt="2025-05-06T05:51:54.394" v="151" actId="20577"/>
@@ -444,14 +389,6 @@
             <pc:docMk/>
             <pc:sldMk cId="401112950" sldId="270"/>
             <ac:picMk id="4" creationId="{6584AA0F-8308-0ED7-2F83-9BB6A7D1E14C}"/>
-          </ac:picMkLst>
-        </pc:picChg>
-        <pc:picChg chg="del">
-          <ac:chgData name="Sai Subba Rao Mahendrakar" userId="c55a230024f4fcb9" providerId="LiveId" clId="{8751BC79-FEA3-453A-A82D-6E6B0DEBFD28}" dt="2025-05-06T05:49:55.782" v="130" actId="478"/>
-          <ac:picMkLst>
-            <pc:docMk/>
-            <pc:sldMk cId="401112950" sldId="270"/>
-            <ac:picMk id="11266" creationId="{F310D44E-99A5-9C48-D657-B8EDEFCC1939}"/>
           </ac:picMkLst>
         </pc:picChg>
       </pc:sldChg>
@@ -492,6 +429,28 @@
             <ac:spMk id="3" creationId="{9873A764-42D1-B990-524C-8755094161A8}"/>
           </ac:spMkLst>
         </pc:spChg>
+      </pc:sldChg>
+      <pc:sldChg chg="addSp modSp new mod">
+        <pc:chgData name="Sai Subba Rao Mahendrakar" userId="c55a230024f4fcb9" providerId="LiveId" clId="{8751BC79-FEA3-453A-A82D-6E6B0DEBFD28}" dt="2025-05-12T02:42:57.992" v="482" actId="255"/>
+        <pc:sldMkLst>
+          <pc:docMk/>
+          <pc:sldMk cId="348503511" sldId="273"/>
+        </pc:sldMkLst>
+        <pc:spChg chg="add mod">
+          <ac:chgData name="Sai Subba Rao Mahendrakar" userId="c55a230024f4fcb9" providerId="LiveId" clId="{8751BC79-FEA3-453A-A82D-6E6B0DEBFD28}" dt="2025-05-12T02:42:57.992" v="482" actId="255"/>
+          <ac:spMkLst>
+            <pc:docMk/>
+            <pc:sldMk cId="348503511" sldId="273"/>
+            <ac:spMk id="2" creationId="{A8AEB6BB-61BA-7FC9-DAC3-3CEC9778027B}"/>
+          </ac:spMkLst>
+        </pc:spChg>
+      </pc:sldChg>
+      <pc:sldChg chg="new del">
+        <pc:chgData name="Sai Subba Rao Mahendrakar" userId="c55a230024f4fcb9" providerId="LiveId" clId="{8751BC79-FEA3-453A-A82D-6E6B0DEBFD28}" dt="2025-05-12T02:41:16.147" v="457" actId="680"/>
+        <pc:sldMkLst>
+          <pc:docMk/>
+          <pc:sldMk cId="2356652685" sldId="273"/>
+        </pc:sldMkLst>
       </pc:sldChg>
     </pc:docChg>
   </pc:docChgLst>
@@ -580,7 +539,7 @@
           <a:p>
             <a:fld id="{14EBA1C9-FEED-4342-AA5C-1FF48785AF79}" type="datetimeFigureOut">
               <a:rPr lang="en-IN" smtClean="0"/>
-              <a:t>06-05-2025</a:t>
+              <a:t>12-05-2025</a:t>
             </a:fld>
             <a:endParaRPr lang="en-IN"/>
           </a:p>
@@ -1189,7 +1148,7 @@
           <a:p>
             <a:fld id="{7E26DD11-0177-46FD-B0D0-B75A9372F23D}" type="datetimeFigureOut">
               <a:rPr lang="en-IN" smtClean="0"/>
-              <a:t>06-05-2025</a:t>
+              <a:t>12-05-2025</a:t>
             </a:fld>
             <a:endParaRPr lang="en-IN"/>
           </a:p>
@@ -1389,7 +1348,7 @@
           <a:p>
             <a:fld id="{7E26DD11-0177-46FD-B0D0-B75A9372F23D}" type="datetimeFigureOut">
               <a:rPr lang="en-IN" smtClean="0"/>
-              <a:t>06-05-2025</a:t>
+              <a:t>12-05-2025</a:t>
             </a:fld>
             <a:endParaRPr lang="en-IN"/>
           </a:p>
@@ -1599,7 +1558,7 @@
           <a:p>
             <a:fld id="{7E26DD11-0177-46FD-B0D0-B75A9372F23D}" type="datetimeFigureOut">
               <a:rPr lang="en-IN" smtClean="0"/>
-              <a:t>06-05-2025</a:t>
+              <a:t>12-05-2025</a:t>
             </a:fld>
             <a:endParaRPr lang="en-IN"/>
           </a:p>
@@ -1799,7 +1758,7 @@
           <a:p>
             <a:fld id="{7E26DD11-0177-46FD-B0D0-B75A9372F23D}" type="datetimeFigureOut">
               <a:rPr lang="en-IN" smtClean="0"/>
-              <a:t>06-05-2025</a:t>
+              <a:t>12-05-2025</a:t>
             </a:fld>
             <a:endParaRPr lang="en-IN"/>
           </a:p>
@@ -2075,7 +2034,7 @@
           <a:p>
             <a:fld id="{7E26DD11-0177-46FD-B0D0-B75A9372F23D}" type="datetimeFigureOut">
               <a:rPr lang="en-IN" smtClean="0"/>
-              <a:t>06-05-2025</a:t>
+              <a:t>12-05-2025</a:t>
             </a:fld>
             <a:endParaRPr lang="en-IN"/>
           </a:p>
@@ -2343,7 +2302,7 @@
           <a:p>
             <a:fld id="{7E26DD11-0177-46FD-B0D0-B75A9372F23D}" type="datetimeFigureOut">
               <a:rPr lang="en-IN" smtClean="0"/>
-              <a:t>06-05-2025</a:t>
+              <a:t>12-05-2025</a:t>
             </a:fld>
             <a:endParaRPr lang="en-IN"/>
           </a:p>
@@ -2758,7 +2717,7 @@
           <a:p>
             <a:fld id="{7E26DD11-0177-46FD-B0D0-B75A9372F23D}" type="datetimeFigureOut">
               <a:rPr lang="en-IN" smtClean="0"/>
-              <a:t>06-05-2025</a:t>
+              <a:t>12-05-2025</a:t>
             </a:fld>
             <a:endParaRPr lang="en-IN"/>
           </a:p>
@@ -2900,7 +2859,7 @@
           <a:p>
             <a:fld id="{7E26DD11-0177-46FD-B0D0-B75A9372F23D}" type="datetimeFigureOut">
               <a:rPr lang="en-IN" smtClean="0"/>
-              <a:t>06-05-2025</a:t>
+              <a:t>12-05-2025</a:t>
             </a:fld>
             <a:endParaRPr lang="en-IN"/>
           </a:p>
@@ -3013,7 +2972,7 @@
           <a:p>
             <a:fld id="{7E26DD11-0177-46FD-B0D0-B75A9372F23D}" type="datetimeFigureOut">
               <a:rPr lang="en-IN" smtClean="0"/>
-              <a:t>06-05-2025</a:t>
+              <a:t>12-05-2025</a:t>
             </a:fld>
             <a:endParaRPr lang="en-IN"/>
           </a:p>
@@ -3326,7 +3285,7 @@
           <a:p>
             <a:fld id="{7E26DD11-0177-46FD-B0D0-B75A9372F23D}" type="datetimeFigureOut">
               <a:rPr lang="en-IN" smtClean="0"/>
-              <a:t>06-05-2025</a:t>
+              <a:t>12-05-2025</a:t>
             </a:fld>
             <a:endParaRPr lang="en-IN"/>
           </a:p>
@@ -3615,7 +3574,7 @@
           <a:p>
             <a:fld id="{7E26DD11-0177-46FD-B0D0-B75A9372F23D}" type="datetimeFigureOut">
               <a:rPr lang="en-IN" smtClean="0"/>
-              <a:t>06-05-2025</a:t>
+              <a:t>12-05-2025</a:t>
             </a:fld>
             <a:endParaRPr lang="en-IN"/>
           </a:p>
@@ -3858,7 +3817,7 @@
           <a:p>
             <a:fld id="{7E26DD11-0177-46FD-B0D0-B75A9372F23D}" type="datetimeFigureOut">
               <a:rPr lang="en-IN" smtClean="0"/>
-              <a:t>06-05-2025</a:t>
+              <a:t>12-05-2025</a:t>
             </a:fld>
             <a:endParaRPr lang="en-IN"/>
           </a:p>
@@ -8787,6 +8746,94 @@
     <p:extLst>
       <p:ext uri="{BB962C8B-B14F-4D97-AF65-F5344CB8AC3E}">
         <p14:creationId xmlns:p14="http://schemas.microsoft.com/office/powerpoint/2010/main" val="3837295999"/>
+      </p:ext>
+    </p:extLst>
+  </p:cSld>
+  <p:clrMapOvr>
+    <a:masterClrMapping/>
+  </p:clrMapOvr>
+</p:sld>
+</file>
+
+<file path=ppt/slides/slide17.xml><?xml version="1.0" encoding="utf-8"?>
+<p:sld xmlns:a="http://schemas.openxmlformats.org/drawingml/2006/main" xmlns:r="http://schemas.openxmlformats.org/officeDocument/2006/relationships" xmlns:p="http://schemas.openxmlformats.org/presentationml/2006/main">
+  <p:cSld>
+    <p:spTree>
+      <p:nvGrpSpPr>
+        <p:cNvPr id="1" name=""/>
+        <p:cNvGrpSpPr/>
+        <p:nvPr/>
+      </p:nvGrpSpPr>
+      <p:grpSpPr>
+        <a:xfrm>
+          <a:off x="0" y="0"/>
+          <a:ext cx="0" cy="0"/>
+          <a:chOff x="0" y="0"/>
+          <a:chExt cx="0" cy="0"/>
+        </a:xfrm>
+      </p:grpSpPr>
+      <p:sp>
+        <p:nvSpPr>
+          <p:cNvPr id="2" name="Title 1">
+            <a:extLst>
+              <a:ext uri="{FF2B5EF4-FFF2-40B4-BE49-F238E27FC236}">
+                <a16:creationId xmlns:a16="http://schemas.microsoft.com/office/drawing/2014/main" id="{A8AEB6BB-61BA-7FC9-DAC3-3CEC9778027B}"/>
+              </a:ext>
+            </a:extLst>
+          </p:cNvPr>
+          <p:cNvSpPr txBox="1">
+            <a:spLocks/>
+          </p:cNvSpPr>
+          <p:nvPr/>
+        </p:nvSpPr>
+        <p:spPr>
+          <a:xfrm>
+            <a:off x="419100" y="2792186"/>
+            <a:ext cx="11353800" cy="1273628"/>
+          </a:xfrm>
+          <a:prstGeom prst="rect">
+            <a:avLst/>
+          </a:prstGeom>
+        </p:spPr>
+        <p:txBody>
+          <a:bodyPr anchor="ctr">
+            <a:normAutofit/>
+          </a:bodyPr>
+          <a:lstStyle>
+            <a:lvl1pPr algn="l" defTabSz="914400" rtl="0" eaLnBrk="1" latinLnBrk="0" hangingPunct="1">
+              <a:lnSpc>
+                <a:spcPct val="90000"/>
+              </a:lnSpc>
+              <a:spcBef>
+                <a:spcPct val="0"/>
+              </a:spcBef>
+              <a:buNone/>
+              <a:defRPr sz="4400" kern="1200">
+                <a:solidFill>
+                  <a:schemeClr val="tx1"/>
+                </a:solidFill>
+                <a:latin typeface="+mj-lt"/>
+                <a:ea typeface="+mj-ea"/>
+                <a:cs typeface="+mj-cs"/>
+              </a:defRPr>
+            </a:lvl1pPr>
+          </a:lstStyle>
+          <a:p>
+            <a:pPr algn="ctr"/>
+            <a:r>
+              <a:rPr lang="en-IN" sz="4800" b="1" dirty="0">
+                <a:latin typeface="Times New Roman" panose="02020603050405020304" pitchFamily="18" charset="0"/>
+                <a:cs typeface="Times New Roman" panose="02020603050405020304" pitchFamily="18" charset="0"/>
+              </a:rPr>
+              <a:t>Thank You</a:t>
+            </a:r>
+          </a:p>
+        </p:txBody>
+      </p:sp>
+    </p:spTree>
+    <p:extLst>
+      <p:ext uri="{BB962C8B-B14F-4D97-AF65-F5344CB8AC3E}">
+        <p14:creationId xmlns:p14="http://schemas.microsoft.com/office/powerpoint/2010/main" val="348503511"/>
       </p:ext>
     </p:extLst>
   </p:cSld>

--- a/PPT.pptx
+++ b/PPT.pptx
@@ -144,7 +144,7 @@
   <pc:docChgLst>
     <pc:chgData name="Sai Subba Rao Mahendrakar" userId="c55a230024f4fcb9" providerId="LiveId" clId="{8751BC79-FEA3-453A-A82D-6E6B0DEBFD28}"/>
     <pc:docChg chg="undo custSel addSld delSld modSld">
-      <pc:chgData name="Sai Subba Rao Mahendrakar" userId="c55a230024f4fcb9" providerId="LiveId" clId="{8751BC79-FEA3-453A-A82D-6E6B0DEBFD28}" dt="2025-05-12T02:42:57.992" v="482" actId="255"/>
+      <pc:chgData name="Sai Subba Rao Mahendrakar" userId="c55a230024f4fcb9" providerId="LiveId" clId="{8751BC79-FEA3-453A-A82D-6E6B0DEBFD28}" dt="2025-05-12T03:08:03.454" v="493" actId="20577"/>
       <pc:docMkLst>
         <pc:docMk/>
       </pc:docMkLst>
@@ -309,13 +309,13 @@
         </pc:spChg>
       </pc:sldChg>
       <pc:sldChg chg="modSp mod">
-        <pc:chgData name="Sai Subba Rao Mahendrakar" userId="c55a230024f4fcb9" providerId="LiveId" clId="{8751BC79-FEA3-453A-A82D-6E6B0DEBFD28}" dt="2025-05-06T06:11:34.851" v="321" actId="14100"/>
+        <pc:chgData name="Sai Subba Rao Mahendrakar" userId="c55a230024f4fcb9" providerId="LiveId" clId="{8751BC79-FEA3-453A-A82D-6E6B0DEBFD28}" dt="2025-05-12T03:08:03.454" v="493" actId="20577"/>
         <pc:sldMkLst>
           <pc:docMk/>
           <pc:sldMk cId="3153410354" sldId="264"/>
         </pc:sldMkLst>
         <pc:spChg chg="mod">
-          <ac:chgData name="Sai Subba Rao Mahendrakar" userId="c55a230024f4fcb9" providerId="LiveId" clId="{8751BC79-FEA3-453A-A82D-6E6B0DEBFD28}" dt="2025-05-06T06:11:34.851" v="321" actId="14100"/>
+          <ac:chgData name="Sai Subba Rao Mahendrakar" userId="c55a230024f4fcb9" providerId="LiveId" clId="{8751BC79-FEA3-453A-A82D-6E6B0DEBFD28}" dt="2025-05-12T03:08:03.454" v="493" actId="20577"/>
           <ac:spMkLst>
             <pc:docMk/>
             <pc:sldMk cId="3153410354" sldId="264"/>
@@ -4666,7 +4666,21 @@
                 <a:latin typeface="Times New Roman" panose="02020603050405020304" pitchFamily="18" charset="0"/>
                 <a:cs typeface="Times New Roman" panose="02020603050405020304" pitchFamily="18" charset="0"/>
               </a:rPr>
-              <a:t>Total: 20 features   </a:t>
+              <a:t>Total</a:t>
+            </a:r>
+            <a:r>
+              <a:rPr lang="en-US" sz="2200">
+                <a:latin typeface="Times New Roman" panose="02020603050405020304" pitchFamily="18" charset="0"/>
+                <a:cs typeface="Times New Roman" panose="02020603050405020304" pitchFamily="18" charset="0"/>
+              </a:rPr>
+              <a:t>: 21 </a:t>
+            </a:r>
+            <a:r>
+              <a:rPr lang="en-US" sz="2200" dirty="0">
+                <a:latin typeface="Times New Roman" panose="02020603050405020304" pitchFamily="18" charset="0"/>
+                <a:cs typeface="Times New Roman" panose="02020603050405020304" pitchFamily="18" charset="0"/>
+              </a:rPr>
+              <a:t>features   </a:t>
             </a:r>
             <a:r>
               <a:rPr lang="en-US" sz="2200" dirty="0">
